--- a/CSCE658-S24/L22.pptx
+++ b/CSCE658-S24/L22.pptx
@@ -21168,7 +21168,7 @@
             </a:r>
             <a:r>
               <a:rPr lang="en-US" sz="3200" dirty="0"/>
-              <a:t>: Chapters 5, Randomized Algorithms, by Rajeev Motwani and Prabhakar Raghavan</a:t>
+              <a:t>: Chapter 5, Randomized Algorithms, by Rajeev Motwani and Prabhakar Raghavan</a:t>
             </a:r>
           </a:p>
           <a:p>
@@ -21461,7 +21461,7 @@
             </a:r>
             <a:r>
               <a:rPr lang="en-US" sz="3200" dirty="0"/>
-              <a:t>: Chapters 5, Randomized Algorithms, by Rajeev Motwani and Prabhakar Raghavan</a:t>
+              <a:t>: Chapter 5, Randomized Algorithms, by Rajeev Motwani and Prabhakar Raghavan</a:t>
             </a:r>
           </a:p>
           <a:p>
@@ -23331,7 +23331,7 @@
                   <a:srgbClr val="00B050"/>
                 </a:solidFill>
               </a:rPr>
-              <a:t>Chapter 3-4 </a:t>
+              <a:t>Chapters 3-4 </a:t>
             </a:r>
             <a:r>
               <a:rPr lang="en-US" sz="3200" dirty="0"/>
